--- a/Gitlab+Jenkins.pptx
+++ b/Gitlab+Jenkins.pptx
@@ -8,14 +8,15 @@
     <p:sldId id="256" r:id="rId2"/>
     <p:sldId id="257" r:id="rId3"/>
     <p:sldId id="258" r:id="rId4"/>
-    <p:sldId id="259" r:id="rId5"/>
-    <p:sldId id="261" r:id="rId6"/>
-    <p:sldId id="260" r:id="rId7"/>
-    <p:sldId id="262" r:id="rId8"/>
-    <p:sldId id="264" r:id="rId9"/>
-    <p:sldId id="265" r:id="rId10"/>
-    <p:sldId id="263" r:id="rId11"/>
-    <p:sldId id="266" r:id="rId12"/>
+    <p:sldId id="267" r:id="rId5"/>
+    <p:sldId id="259" r:id="rId6"/>
+    <p:sldId id="261" r:id="rId7"/>
+    <p:sldId id="260" r:id="rId8"/>
+    <p:sldId id="262" r:id="rId9"/>
+    <p:sldId id="264" r:id="rId10"/>
+    <p:sldId id="265" r:id="rId11"/>
+    <p:sldId id="263" r:id="rId12"/>
+    <p:sldId id="266" r:id="rId13"/>
   </p:sldIdLst>
   <p:sldSz cx="12192000" cy="6858000"/>
   <p:notesSz cx="6858000" cy="9144000"/>
@@ -3511,6 +3512,281 @@
           <p:cNvPr id="4" name="그림 3">
             <a:extLst>
               <a:ext uri="{FF2B5EF4-FFF2-40B4-BE49-F238E27FC236}">
+                <a16:creationId xmlns:a16="http://schemas.microsoft.com/office/drawing/2014/main" id="{5C8069DE-FE2A-4C8D-B774-7C3113AE3DF6}"/>
+              </a:ext>
+            </a:extLst>
+          </p:cNvPr>
+          <p:cNvPicPr>
+            <a:picLocks noChangeAspect="1"/>
+          </p:cNvPicPr>
+          <p:nvPr/>
+        </p:nvPicPr>
+        <p:blipFill>
+          <a:blip r:embed="rId2"/>
+          <a:stretch>
+            <a:fillRect/>
+          </a:stretch>
+        </p:blipFill>
+        <p:spPr>
+          <a:xfrm>
+            <a:off x="1048109" y="1611894"/>
+            <a:ext cx="10095781" cy="4499434"/>
+          </a:xfrm>
+          <a:prstGeom prst="rect">
+            <a:avLst/>
+          </a:prstGeom>
+        </p:spPr>
+      </p:pic>
+      <p:pic>
+        <p:nvPicPr>
+          <p:cNvPr id="5" name="Picture 4" descr="jenkins logoì ëí ì´ë¯¸ì§ ê²ìê²°ê³¼">
+            <a:extLst>
+              <a:ext uri="{FF2B5EF4-FFF2-40B4-BE49-F238E27FC236}">
+                <a16:creationId xmlns:a16="http://schemas.microsoft.com/office/drawing/2014/main" id="{956E402A-667A-42B0-A076-790946A96F5D}"/>
+              </a:ext>
+            </a:extLst>
+          </p:cNvPr>
+          <p:cNvPicPr>
+            <a:picLocks noChangeAspect="1" noChangeArrowheads="1"/>
+          </p:cNvPicPr>
+          <p:nvPr/>
+        </p:nvPicPr>
+        <p:blipFill>
+          <a:blip r:embed="rId3">
+            <a:extLst>
+              <a:ext uri="{28A0092B-C50C-407E-A947-70E740481C1C}">
+                <a14:useLocalDpi xmlns:a14="http://schemas.microsoft.com/office/drawing/2010/main" val="0"/>
+              </a:ext>
+            </a:extLst>
+          </a:blip>
+          <a:srcRect/>
+          <a:stretch>
+            <a:fillRect/>
+          </a:stretch>
+        </p:blipFill>
+        <p:spPr bwMode="auto">
+          <a:xfrm>
+            <a:off x="103517" y="94891"/>
+            <a:ext cx="2320169" cy="746185"/>
+          </a:xfrm>
+          <a:prstGeom prst="rect">
+            <a:avLst/>
+          </a:prstGeom>
+          <a:noFill/>
+          <a:extLst>
+            <a:ext uri="{909E8E84-426E-40DD-AFC4-6F175D3DCCD1}">
+              <a14:hiddenFill xmlns:a14="http://schemas.microsoft.com/office/drawing/2010/main">
+                <a:solidFill>
+                  <a:srgbClr val="FFFFFF"/>
+                </a:solidFill>
+              </a14:hiddenFill>
+            </a:ext>
+          </a:extLst>
+        </p:spPr>
+      </p:pic>
+      <p:pic>
+        <p:nvPicPr>
+          <p:cNvPr id="7" name="그림 6">
+            <a:extLst>
+              <a:ext uri="{FF2B5EF4-FFF2-40B4-BE49-F238E27FC236}">
+                <a16:creationId xmlns:a16="http://schemas.microsoft.com/office/drawing/2014/main" id="{14BDE8D0-E9B2-4C8E-8A28-3D8D4BA5795B}"/>
+              </a:ext>
+            </a:extLst>
+          </p:cNvPr>
+          <p:cNvPicPr>
+            <a:picLocks noChangeAspect="1"/>
+          </p:cNvPicPr>
+          <p:nvPr/>
+        </p:nvPicPr>
+        <p:blipFill>
+          <a:blip r:embed="rId4"/>
+          <a:stretch>
+            <a:fillRect/>
+          </a:stretch>
+        </p:blipFill>
+        <p:spPr>
+          <a:xfrm>
+            <a:off x="5027638" y="1153401"/>
+            <a:ext cx="5575558" cy="1109393"/>
+          </a:xfrm>
+          <a:prstGeom prst="rect">
+            <a:avLst/>
+          </a:prstGeom>
+        </p:spPr>
+      </p:pic>
+      <p:pic>
+        <p:nvPicPr>
+          <p:cNvPr id="8" name="Picture 2" descr="gitlab logoì ëí ì´ë¯¸ì§ ê²ìê²°ê³¼">
+            <a:extLst>
+              <a:ext uri="{FF2B5EF4-FFF2-40B4-BE49-F238E27FC236}">
+                <a16:creationId xmlns:a16="http://schemas.microsoft.com/office/drawing/2014/main" id="{EDC537C8-1609-4E22-A39C-EF601F117549}"/>
+              </a:ext>
+            </a:extLst>
+          </p:cNvPr>
+          <p:cNvPicPr>
+            <a:picLocks noChangeAspect="1" noChangeArrowheads="1"/>
+          </p:cNvPicPr>
+          <p:nvPr/>
+        </p:nvPicPr>
+        <p:blipFill>
+          <a:blip r:embed="rId5">
+            <a:extLst>
+              <a:ext uri="{28A0092B-C50C-407E-A947-70E740481C1C}">
+                <a14:useLocalDpi xmlns:a14="http://schemas.microsoft.com/office/drawing/2010/main" val="0"/>
+              </a:ext>
+            </a:extLst>
+          </a:blip>
+          <a:srcRect/>
+          <a:stretch>
+            <a:fillRect/>
+          </a:stretch>
+        </p:blipFill>
+        <p:spPr bwMode="auto">
+          <a:xfrm>
+            <a:off x="9506309" y="1070310"/>
+            <a:ext cx="1226589" cy="541584"/>
+          </a:xfrm>
+          <a:prstGeom prst="rect">
+            <a:avLst/>
+          </a:prstGeom>
+          <a:noFill/>
+          <a:extLst>
+            <a:ext uri="{909E8E84-426E-40DD-AFC4-6F175D3DCCD1}">
+              <a14:hiddenFill xmlns:a14="http://schemas.microsoft.com/office/drawing/2010/main">
+                <a:solidFill>
+                  <a:srgbClr val="FFFFFF"/>
+                </a:solidFill>
+              </a14:hiddenFill>
+            </a:ext>
+          </a:extLst>
+        </p:spPr>
+      </p:pic>
+      <p:cxnSp>
+        <p:nvCxnSpPr>
+          <p:cNvPr id="10" name="직선 화살표 연결선 9">
+            <a:extLst>
+              <a:ext uri="{FF2B5EF4-FFF2-40B4-BE49-F238E27FC236}">
+                <a16:creationId xmlns:a16="http://schemas.microsoft.com/office/drawing/2014/main" id="{B23B085C-AF0E-4252-8614-8A6D5AD54329}"/>
+              </a:ext>
+            </a:extLst>
+          </p:cNvPr>
+          <p:cNvCxnSpPr/>
+          <p:nvPr/>
+        </p:nvCxnSpPr>
+        <p:spPr>
+          <a:xfrm flipH="1">
+            <a:off x="5244860" y="2130725"/>
+            <a:ext cx="3795623" cy="1207698"/>
+          </a:xfrm>
+          <a:prstGeom prst="straightConnector1">
+            <a:avLst/>
+          </a:prstGeom>
+          <a:ln>
+            <a:tailEnd type="triangle"/>
+          </a:ln>
+        </p:spPr>
+        <p:style>
+          <a:lnRef idx="1">
+            <a:schemeClr val="accent1"/>
+          </a:lnRef>
+          <a:fillRef idx="0">
+            <a:schemeClr val="accent1"/>
+          </a:fillRef>
+          <a:effectRef idx="0">
+            <a:schemeClr val="accent1"/>
+          </a:effectRef>
+          <a:fontRef idx="minor">
+            <a:schemeClr val="tx1"/>
+          </a:fontRef>
+        </p:style>
+      </p:cxnSp>
+      <p:sp>
+        <p:nvSpPr>
+          <p:cNvPr id="6" name="TextBox 5">
+            <a:extLst>
+              <a:ext uri="{FF2B5EF4-FFF2-40B4-BE49-F238E27FC236}">
+                <a16:creationId xmlns:a16="http://schemas.microsoft.com/office/drawing/2014/main" id="{A51F762A-AF4F-4E01-8239-142980E5E863}"/>
+              </a:ext>
+            </a:extLst>
+          </p:cNvPr>
+          <p:cNvSpPr txBox="1"/>
+          <p:nvPr/>
+        </p:nvSpPr>
+        <p:spPr>
+          <a:xfrm>
+            <a:off x="655606" y="968735"/>
+            <a:ext cx="5658344" cy="369332"/>
+          </a:xfrm>
+          <a:prstGeom prst="rect">
+            <a:avLst/>
+          </a:prstGeom>
+          <a:noFill/>
+        </p:spPr>
+        <p:txBody>
+          <a:bodyPr wrap="none" rtlCol="0">
+            <a:spAutoFit/>
+          </a:bodyPr>
+          <a:lstStyle/>
+          <a:p>
+            <a:r>
+              <a:rPr lang="en-US" altLang="ko-KR" dirty="0"/>
+              <a:t>Repository URL</a:t>
+            </a:r>
+            <a:r>
+              <a:rPr lang="ko-KR" altLang="en-US" dirty="0"/>
+              <a:t>입력 </a:t>
+            </a:r>
+            <a:r>
+              <a:rPr lang="en-US" altLang="ko-KR" dirty="0"/>
+              <a:t>&gt; Credentials &gt; Add </a:t>
+            </a:r>
+            <a:r>
+              <a:rPr lang="ko-KR" altLang="en-US" dirty="0"/>
+              <a:t>버튼 클릭</a:t>
+            </a:r>
+            <a:r>
+              <a:rPr lang="en-US" altLang="ko-KR" dirty="0"/>
+              <a:t> </a:t>
+            </a:r>
+            <a:endParaRPr lang="ko-KR" altLang="en-US" dirty="0"/>
+          </a:p>
+        </p:txBody>
+      </p:sp>
+    </p:spTree>
+    <p:extLst>
+      <p:ext uri="{BB962C8B-B14F-4D97-AF65-F5344CB8AC3E}">
+        <p14:creationId xmlns:p14="http://schemas.microsoft.com/office/powerpoint/2010/main" val="2625194654"/>
+      </p:ext>
+    </p:extLst>
+  </p:cSld>
+  <p:clrMapOvr>
+    <a:masterClrMapping/>
+  </p:clrMapOvr>
+</p:sld>
+</file>
+
+<file path=ppt/slides/slide11.xml><?xml version="1.0" encoding="utf-8"?>
+<p:sld xmlns:a="http://schemas.openxmlformats.org/drawingml/2006/main" xmlns:r="http://schemas.openxmlformats.org/officeDocument/2006/relationships" xmlns:p="http://schemas.openxmlformats.org/presentationml/2006/main">
+  <p:cSld>
+    <p:spTree>
+      <p:nvGrpSpPr>
+        <p:cNvPr id="1" name=""/>
+        <p:cNvGrpSpPr/>
+        <p:nvPr/>
+      </p:nvGrpSpPr>
+      <p:grpSpPr>
+        <a:xfrm>
+          <a:off x="0" y="0"/>
+          <a:ext cx="0" cy="0"/>
+          <a:chOff x="0" y="0"/>
+          <a:chExt cx="0" cy="0"/>
+        </a:xfrm>
+      </p:grpSpPr>
+      <p:pic>
+        <p:nvPicPr>
+          <p:cNvPr id="4" name="그림 3">
+            <a:extLst>
+              <a:ext uri="{FF2B5EF4-FFF2-40B4-BE49-F238E27FC236}">
                 <a16:creationId xmlns:a16="http://schemas.microsoft.com/office/drawing/2014/main" id="{CA0F9682-7E43-4F2A-92E9-D51C7A977C1A}"/>
               </a:ext>
             </a:extLst>
@@ -3819,7 +4095,7 @@
 </p:sld>
 </file>
 
-<file path=ppt/slides/slide11.xml><?xml version="1.0" encoding="utf-8"?>
+<file path=ppt/slides/slide12.xml><?xml version="1.0" encoding="utf-8"?>
 <p:sld xmlns:a="http://schemas.openxmlformats.org/drawingml/2006/main" xmlns:r="http://schemas.openxmlformats.org/officeDocument/2006/relationships" xmlns:p="http://schemas.openxmlformats.org/presentationml/2006/main">
   <p:cSld>
     <p:spTree>
@@ -4694,7 +4970,7 @@
     </p:spTree>
     <p:extLst>
       <p:ext uri="{BB962C8B-B14F-4D97-AF65-F5344CB8AC3E}">
-        <p14:creationId xmlns:p14="http://schemas.microsoft.com/office/powerpoint/2010/main" val="3809051519"/>
+        <p14:creationId xmlns:p14="http://schemas.microsoft.com/office/powerpoint/2010/main" val="1095175909"/>
       </p:ext>
     </p:extLst>
   </p:cSld>
@@ -4723,10 +4999,10 @@
       </p:grpSpPr>
       <p:sp>
         <p:nvSpPr>
-          <p:cNvPr id="6" name="TextBox 5">
-            <a:extLst>
-              <a:ext uri="{FF2B5EF4-FFF2-40B4-BE49-F238E27FC236}">
-                <a16:creationId xmlns:a16="http://schemas.microsoft.com/office/drawing/2014/main" id="{0B85C739-3F3E-409A-BCB4-FE5962093A20}"/>
+          <p:cNvPr id="5" name="TextBox 4">
+            <a:extLst>
+              <a:ext uri="{FF2B5EF4-FFF2-40B4-BE49-F238E27FC236}">
+                <a16:creationId xmlns:a16="http://schemas.microsoft.com/office/drawing/2014/main" id="{A5FFCBB5-7E26-4686-9E3E-7959A84903D7}"/>
               </a:ext>
             </a:extLst>
           </p:cNvPr>
@@ -4736,7 +5012,7 @@
         <p:spPr>
           <a:xfrm>
             <a:off x="698739" y="1555331"/>
-            <a:ext cx="9805954" cy="369332"/>
+            <a:ext cx="10961655" cy="369332"/>
           </a:xfrm>
           <a:prstGeom prst="rect">
             <a:avLst/>
@@ -4750,20 +5026,36 @@
           <a:lstStyle/>
           <a:p>
             <a:r>
-              <a:rPr lang="ko-KR" altLang="en-US" dirty="0" err="1"/>
-              <a:t>젠킨스가</a:t>
+              <a:rPr lang="en-US" altLang="ko-KR" dirty="0"/>
+              <a:t>Gitlab </a:t>
             </a:r>
             <a:r>
               <a:rPr lang="ko-KR" altLang="en-US" dirty="0"/>
-              <a:t> 설치된 </a:t>
-            </a:r>
-            <a:r>
-              <a:rPr lang="en-US" altLang="ko-KR" dirty="0"/>
-              <a:t>ubuntu </a:t>
+              <a:t>에서 </a:t>
+            </a:r>
+            <a:r>
+              <a:rPr lang="en-US" altLang="ko-KR" dirty="0"/>
+              <a:t>&gt; Add </a:t>
             </a:r>
             <a:r>
               <a:rPr lang="ko-KR" altLang="en-US" dirty="0"/>
-              <a:t>서버로 이동 </a:t>
+              <a:t>클릭 </a:t>
+            </a:r>
+            <a:r>
+              <a:rPr lang="en-US" altLang="ko-KR" dirty="0"/>
+              <a:t>&gt;</a:t>
+            </a:r>
+            <a:r>
+              <a:rPr lang="ko-KR" altLang="en-US" dirty="0"/>
+              <a:t> </a:t>
+            </a:r>
+            <a:r>
+              <a:rPr lang="en-US" altLang="ko-KR" dirty="0"/>
+              <a:t>Jenkins</a:t>
+            </a:r>
+            <a:r>
+              <a:rPr lang="ko-KR" altLang="en-US" dirty="0"/>
+              <a:t> 선택 </a:t>
             </a:r>
             <a:r>
               <a:rPr lang="en-US" altLang="ko-KR" dirty="0"/>
@@ -4771,19 +5063,15 @@
             </a:r>
             <a:r>
               <a:rPr lang="ko-KR" altLang="en-US" dirty="0"/>
-              <a:t>아래 명령어 실행 </a:t>
-            </a:r>
-            <a:r>
-              <a:rPr lang="en-US" altLang="ko-KR" dirty="0"/>
-              <a:t>&gt; vi id_rsa.pub &gt; </a:t>
-            </a:r>
-            <a:r>
-              <a:rPr lang="ko-KR" altLang="en-US" dirty="0"/>
-              <a:t>파일 내용 복사</a:t>
-            </a:r>
-            <a:r>
-              <a:rPr lang="en-US" altLang="ko-KR" dirty="0"/>
-              <a:t>  </a:t>
+              <a:t>아래 항목과 동일하게 구성 </a:t>
+            </a:r>
+            <a:r>
+              <a:rPr lang="en-US" altLang="ko-KR" dirty="0"/>
+              <a:t>&gt; Description</a:t>
+            </a:r>
+            <a:r>
+              <a:rPr lang="ko-KR" altLang="en-US"/>
+              <a:t>은 넣어주는게 좋음</a:t>
             </a:r>
             <a:endParaRPr lang="ko-KR" altLang="en-US" dirty="0"/>
           </a:p>
@@ -4791,10 +5079,10 @@
       </p:sp>
       <p:pic>
         <p:nvPicPr>
-          <p:cNvPr id="7" name="Picture 4" descr="jenkins logoì ëí ì´ë¯¸ì§ ê²ìê²°ê³¼">
-            <a:extLst>
-              <a:ext uri="{FF2B5EF4-FFF2-40B4-BE49-F238E27FC236}">
-                <a16:creationId xmlns:a16="http://schemas.microsoft.com/office/drawing/2014/main" id="{D67DB9B3-788B-456D-8738-6A721615DBF1}"/>
+          <p:cNvPr id="6" name="Picture 4" descr="jenkins logoì ëí ì´ë¯¸ì§ ê²ìê²°ê³¼">
+            <a:extLst>
+              <a:ext uri="{FF2B5EF4-FFF2-40B4-BE49-F238E27FC236}">
+                <a16:creationId xmlns:a16="http://schemas.microsoft.com/office/drawing/2014/main" id="{89145A8E-A2E2-48EF-BA3C-54F58EF9751B}"/>
               </a:ext>
             </a:extLst>
           </p:cNvPr>
@@ -4838,139 +5126,209 @@
       </p:pic>
       <p:pic>
         <p:nvPicPr>
-          <p:cNvPr id="2050" name="Picture 2" descr="ubuntu logo pngì ëí ì´ë¯¸ì§ ê²ìê²°ê³¼">
-            <a:extLst>
-              <a:ext uri="{FF2B5EF4-FFF2-40B4-BE49-F238E27FC236}">
-                <a16:creationId xmlns:a16="http://schemas.microsoft.com/office/drawing/2014/main" id="{6B5B2495-A7FB-42D5-83CA-B632AC3084A9}"/>
+          <p:cNvPr id="2" name="그림 1">
+            <a:extLst>
+              <a:ext uri="{FF2B5EF4-FFF2-40B4-BE49-F238E27FC236}">
+                <a16:creationId xmlns:a16="http://schemas.microsoft.com/office/drawing/2014/main" id="{62BF1985-569F-4BB7-A0C0-31DC06B99BB0}"/>
               </a:ext>
             </a:extLst>
           </p:cNvPr>
           <p:cNvPicPr>
-            <a:picLocks noChangeAspect="1" noChangeArrowheads="1"/>
+            <a:picLocks noChangeAspect="1"/>
           </p:cNvPicPr>
           <p:nvPr/>
         </p:nvPicPr>
         <p:blipFill>
-          <a:blip r:embed="rId3">
-            <a:extLst>
-              <a:ext uri="{28A0092B-C50C-407E-A947-70E740481C1C}">
-                <a14:useLocalDpi xmlns:a14="http://schemas.microsoft.com/office/drawing/2010/main" val="0"/>
-              </a:ext>
-            </a:extLst>
-          </a:blip>
-          <a:srcRect/>
+          <a:blip r:embed="rId3"/>
           <a:stretch>
             <a:fillRect/>
           </a:stretch>
         </p:blipFill>
-        <p:spPr bwMode="auto">
-          <a:xfrm>
-            <a:off x="2648309" y="245652"/>
-            <a:ext cx="1943819" cy="512784"/>
+        <p:spPr>
+          <a:xfrm>
+            <a:off x="209897" y="2184033"/>
+            <a:ext cx="9523497" cy="2891623"/>
+          </a:xfrm>
+          <a:prstGeom prst="rect">
+            <a:avLst/>
+          </a:prstGeom>
+        </p:spPr>
+      </p:pic>
+      <p:sp>
+        <p:nvSpPr>
+          <p:cNvPr id="3" name="TextBox 2">
+            <a:extLst>
+              <a:ext uri="{FF2B5EF4-FFF2-40B4-BE49-F238E27FC236}">
+                <a16:creationId xmlns:a16="http://schemas.microsoft.com/office/drawing/2014/main" id="{353E323A-0EDA-4DCE-AA1A-FA311839CB6E}"/>
+              </a:ext>
+            </a:extLst>
+          </p:cNvPr>
+          <p:cNvSpPr txBox="1"/>
+          <p:nvPr/>
+        </p:nvSpPr>
+        <p:spPr>
+          <a:xfrm>
+            <a:off x="4459859" y="3200400"/>
+            <a:ext cx="1694695" cy="253916"/>
           </a:xfrm>
           <a:prstGeom prst="rect">
             <a:avLst/>
           </a:prstGeom>
           <a:noFill/>
-          <a:extLst>
-            <a:ext uri="{909E8E84-426E-40DD-AFC4-6F175D3DCCD1}">
-              <a14:hiddenFill xmlns:a14="http://schemas.microsoft.com/office/drawing/2010/main">
-                <a:solidFill>
-                  <a:srgbClr val="FFFFFF"/>
-                </a:solidFill>
-              </a14:hiddenFill>
-            </a:ext>
-          </a:extLst>
+        </p:spPr>
+        <p:txBody>
+          <a:bodyPr wrap="none" rtlCol="0">
+            <a:spAutoFit/>
+          </a:bodyPr>
+          <a:lstStyle/>
+          <a:p>
+            <a:r>
+              <a:rPr lang="ko-KR" altLang="en-US" sz="1050" dirty="0"/>
+              <a:t>형식 </a:t>
+            </a:r>
+            <a:r>
+              <a:rPr lang="en-US" altLang="ko-KR" sz="1050" dirty="0"/>
+              <a:t>http://gitlab </a:t>
+            </a:r>
+            <a:r>
+              <a:rPr lang="en-US" altLang="ko-KR" sz="1050" dirty="0" err="1"/>
+              <a:t>ip</a:t>
+            </a:r>
+            <a:r>
+              <a:rPr lang="en-US" altLang="ko-KR" sz="1050" dirty="0"/>
+              <a:t>:</a:t>
+            </a:r>
+            <a:r>
+              <a:rPr lang="ko-KR" altLang="en-US" sz="1050" dirty="0"/>
+              <a:t>포트</a:t>
+            </a:r>
+          </a:p>
+        </p:txBody>
+      </p:sp>
+      <p:pic>
+        <p:nvPicPr>
+          <p:cNvPr id="4" name="그림 3">
+            <a:extLst>
+              <a:ext uri="{FF2B5EF4-FFF2-40B4-BE49-F238E27FC236}">
+                <a16:creationId xmlns:a16="http://schemas.microsoft.com/office/drawing/2014/main" id="{ED467F35-3EFD-46D7-989E-4B20BD4F8D3C}"/>
+              </a:ext>
+            </a:extLst>
+          </p:cNvPr>
+          <p:cNvPicPr>
+            <a:picLocks noChangeAspect="1"/>
+          </p:cNvPicPr>
+          <p:nvPr/>
+        </p:nvPicPr>
+        <p:blipFill rotWithShape="1">
+          <a:blip r:embed="rId4"/>
+          <a:srcRect l="12168" t="18433" r="12949" b="11450"/>
+          <a:stretch/>
+        </p:blipFill>
+        <p:spPr>
+          <a:xfrm>
+            <a:off x="4505959" y="2284702"/>
+            <a:ext cx="7476144" cy="3791824"/>
+          </a:xfrm>
+          <a:prstGeom prst="rect">
+            <a:avLst/>
+          </a:prstGeom>
         </p:spPr>
       </p:pic>
-      <p:sp>
-        <p:nvSpPr>
-          <p:cNvPr id="8" name="TextBox 7">
-            <a:extLst>
-              <a:ext uri="{FF2B5EF4-FFF2-40B4-BE49-F238E27FC236}">
-                <a16:creationId xmlns:a16="http://schemas.microsoft.com/office/drawing/2014/main" id="{7050339A-8BA2-49B2-B38C-6804C9F5D9AF}"/>
-              </a:ext>
-            </a:extLst>
-          </p:cNvPr>
-          <p:cNvSpPr txBox="1"/>
+      <p:cxnSp>
+        <p:nvCxnSpPr>
+          <p:cNvPr id="8" name="직선 화살표 연결선 7">
+            <a:extLst>
+              <a:ext uri="{FF2B5EF4-FFF2-40B4-BE49-F238E27FC236}">
+                <a16:creationId xmlns:a16="http://schemas.microsoft.com/office/drawing/2014/main" id="{A1418C93-F75A-4C53-925D-507734E90A92}"/>
+              </a:ext>
+            </a:extLst>
+          </p:cNvPr>
+          <p:cNvCxnSpPr/>
           <p:nvPr/>
-        </p:nvSpPr>
+        </p:nvCxnSpPr>
         <p:spPr>
           <a:xfrm>
-            <a:off x="2648309" y="3614468"/>
-            <a:ext cx="2924583" cy="923330"/>
+            <a:off x="4205902" y="3707934"/>
+            <a:ext cx="427838" cy="427838"/>
+          </a:xfrm>
+          <a:prstGeom prst="straightConnector1">
+            <a:avLst/>
+          </a:prstGeom>
+          <a:ln>
+            <a:tailEnd type="triangle"/>
+          </a:ln>
+        </p:spPr>
+        <p:style>
+          <a:lnRef idx="1">
+            <a:schemeClr val="accent1"/>
+          </a:lnRef>
+          <a:fillRef idx="0">
+            <a:schemeClr val="accent1"/>
+          </a:fillRef>
+          <a:effectRef idx="0">
+            <a:schemeClr val="accent1"/>
+          </a:effectRef>
+          <a:fontRef idx="minor">
+            <a:schemeClr val="tx1"/>
+          </a:fontRef>
+        </p:style>
+      </p:cxnSp>
+      <p:sp>
+        <p:nvSpPr>
+          <p:cNvPr id="9" name="직사각형 8">
+            <a:extLst>
+              <a:ext uri="{FF2B5EF4-FFF2-40B4-BE49-F238E27FC236}">
+                <a16:creationId xmlns:a16="http://schemas.microsoft.com/office/drawing/2014/main" id="{933BF71C-045D-4043-9D82-83472BA29529}"/>
+              </a:ext>
+            </a:extLst>
+          </p:cNvPr>
+          <p:cNvSpPr/>
+          <p:nvPr/>
+        </p:nvSpPr>
+        <p:spPr>
+          <a:xfrm>
+            <a:off x="4633740" y="3003259"/>
+            <a:ext cx="7211515" cy="1510018"/>
           </a:xfrm>
           <a:prstGeom prst="rect">
             <a:avLst/>
           </a:prstGeom>
           <a:noFill/>
-        </p:spPr>
-        <p:txBody>
-          <a:bodyPr wrap="none" rtlCol="0">
-            <a:spAutoFit/>
-          </a:bodyPr>
+          <a:ln w="19050">
+            <a:solidFill>
+              <a:srgbClr val="FF0000"/>
+            </a:solidFill>
+          </a:ln>
+        </p:spPr>
+        <p:style>
+          <a:lnRef idx="2">
+            <a:schemeClr val="accent1">
+              <a:shade val="50000"/>
+            </a:schemeClr>
+          </a:lnRef>
+          <a:fillRef idx="1">
+            <a:schemeClr val="accent1"/>
+          </a:fillRef>
+          <a:effectRef idx="0">
+            <a:schemeClr val="accent1"/>
+          </a:effectRef>
+          <a:fontRef idx="minor">
+            <a:schemeClr val="lt1"/>
+          </a:fontRef>
+        </p:style>
+        <p:txBody>
+          <a:bodyPr rtlCol="0" anchor="ctr"/>
           <a:lstStyle/>
           <a:p>
-            <a:r>
-              <a:rPr lang="en-US" altLang="ko-KR" dirty="0" err="1"/>
-              <a:t>mkdir</a:t>
-            </a:r>
-            <a:r>
-              <a:rPr lang="en-US" altLang="ko-KR" dirty="0"/>
-              <a:t> ~/.</a:t>
-            </a:r>
-            <a:r>
-              <a:rPr lang="en-US" altLang="ko-KR" dirty="0" err="1"/>
-              <a:t>ssh</a:t>
-            </a:r>
-            <a:r>
-              <a:rPr lang="en-US" altLang="ko-KR" dirty="0"/>
-              <a:t>-key</a:t>
-            </a:r>
-          </a:p>
-          <a:p>
-            <a:r>
-              <a:rPr lang="en-US" altLang="ko-KR" dirty="0"/>
-              <a:t>cd ~/.</a:t>
-            </a:r>
-            <a:r>
-              <a:rPr lang="en-US" altLang="ko-KR" dirty="0" err="1"/>
-              <a:t>ssh</a:t>
-            </a:r>
-            <a:r>
-              <a:rPr lang="en-US" altLang="ko-KR" dirty="0"/>
-              <a:t>-key</a:t>
-            </a:r>
-          </a:p>
-          <a:p>
-            <a:r>
-              <a:rPr lang="en-US" altLang="ko-KR" dirty="0" err="1"/>
-              <a:t>ssh</a:t>
-            </a:r>
-            <a:r>
-              <a:rPr lang="en-US" altLang="ko-KR" dirty="0"/>
-              <a:t>-keygen -t </a:t>
-            </a:r>
-            <a:r>
-              <a:rPr lang="en-US" altLang="ko-KR" dirty="0" err="1"/>
-              <a:t>rsa</a:t>
-            </a:r>
-            <a:r>
-              <a:rPr lang="en-US" altLang="ko-KR" dirty="0"/>
-              <a:t> -f </a:t>
-            </a:r>
-            <a:r>
-              <a:rPr lang="en-US" altLang="ko-KR" dirty="0" err="1"/>
-              <a:t>id_rsa</a:t>
-            </a:r>
-            <a:endParaRPr lang="en-US" altLang="ko-KR" dirty="0"/>
+            <a:pPr algn="ctr"/>
+            <a:endParaRPr lang="ko-KR" altLang="en-US"/>
           </a:p>
         </p:txBody>
       </p:sp>
     </p:spTree>
     <p:extLst>
       <p:ext uri="{BB962C8B-B14F-4D97-AF65-F5344CB8AC3E}">
-        <p14:creationId xmlns:p14="http://schemas.microsoft.com/office/powerpoint/2010/main" val="3770675531"/>
+        <p14:creationId xmlns:p14="http://schemas.microsoft.com/office/powerpoint/2010/main" val="3809051519"/>
       </p:ext>
     </p:extLst>
   </p:cSld>
@@ -4997,42 +5355,12 @@
           <a:chExt cx="0" cy="0"/>
         </a:xfrm>
       </p:grpSpPr>
-      <p:pic>
-        <p:nvPicPr>
-          <p:cNvPr id="4" name="그림 3">
-            <a:extLst>
-              <a:ext uri="{FF2B5EF4-FFF2-40B4-BE49-F238E27FC236}">
-                <a16:creationId xmlns:a16="http://schemas.microsoft.com/office/drawing/2014/main" id="{607D6CEA-4F70-40CD-8FF6-30E8808E9631}"/>
-              </a:ext>
-            </a:extLst>
-          </p:cNvPr>
-          <p:cNvPicPr>
-            <a:picLocks noChangeAspect="1"/>
-          </p:cNvPicPr>
-          <p:nvPr/>
-        </p:nvPicPr>
-        <p:blipFill>
-          <a:blip r:embed="rId2"/>
-          <a:stretch>
-            <a:fillRect/>
-          </a:stretch>
-        </p:blipFill>
-        <p:spPr>
-          <a:xfrm>
-            <a:off x="1664898" y="1666410"/>
-            <a:ext cx="7283026" cy="4449718"/>
-          </a:xfrm>
-          <a:prstGeom prst="rect">
-            <a:avLst/>
-          </a:prstGeom>
-        </p:spPr>
-      </p:pic>
-      <p:sp>
-        <p:nvSpPr>
-          <p:cNvPr id="5" name="TextBox 4">
-            <a:extLst>
-              <a:ext uri="{FF2B5EF4-FFF2-40B4-BE49-F238E27FC236}">
-                <a16:creationId xmlns:a16="http://schemas.microsoft.com/office/drawing/2014/main" id="{232C5103-D231-47CC-87C2-3B1FEDACBDE9}"/>
+      <p:sp>
+        <p:nvSpPr>
+          <p:cNvPr id="6" name="TextBox 5">
+            <a:extLst>
+              <a:ext uri="{FF2B5EF4-FFF2-40B4-BE49-F238E27FC236}">
+                <a16:creationId xmlns:a16="http://schemas.microsoft.com/office/drawing/2014/main" id="{0B85C739-3F3E-409A-BCB4-FE5962093A20}"/>
               </a:ext>
             </a:extLst>
           </p:cNvPr>
@@ -5041,8 +5369,8 @@
         </p:nvSpPr>
         <p:spPr>
           <a:xfrm>
-            <a:off x="586596" y="741870"/>
-            <a:ext cx="11393825" cy="646331"/>
+            <a:off x="698739" y="1555331"/>
+            <a:ext cx="9805954" cy="369332"/>
           </a:xfrm>
           <a:prstGeom prst="rect">
             <a:avLst/>
@@ -5056,81 +5384,51 @@
           <a:lstStyle/>
           <a:p>
             <a:r>
-              <a:rPr lang="en-US" altLang="ko-KR" dirty="0"/>
-              <a:t>Jenkins</a:t>
+              <a:rPr lang="ko-KR" altLang="en-US" dirty="0" err="1"/>
+              <a:t>젠킨스가</a:t>
             </a:r>
             <a:r>
               <a:rPr lang="ko-KR" altLang="en-US" dirty="0"/>
-              <a:t> 연동 대상 프로젝트 </a:t>
-            </a:r>
-            <a:r>
-              <a:rPr lang="en-US" altLang="ko-KR" dirty="0"/>
-              <a:t>&gt;</a:t>
+              <a:t> 설치된 </a:t>
+            </a:r>
+            <a:r>
+              <a:rPr lang="en-US" altLang="ko-KR" dirty="0"/>
+              <a:t>ubuntu </a:t>
             </a:r>
             <a:r>
               <a:rPr lang="ko-KR" altLang="en-US" dirty="0"/>
-              <a:t> </a:t>
-            </a:r>
-            <a:r>
-              <a:rPr lang="en-US" altLang="ko-KR" dirty="0"/>
-              <a:t>Settings &gt; Repository</a:t>
+              <a:t>서버로 이동 </a:t>
+            </a:r>
+            <a:r>
+              <a:rPr lang="en-US" altLang="ko-KR" dirty="0"/>
+              <a:t>&gt; </a:t>
             </a:r>
             <a:r>
               <a:rPr lang="ko-KR" altLang="en-US" dirty="0"/>
-              <a:t> </a:t>
-            </a:r>
-            <a:r>
-              <a:rPr lang="en-US" altLang="ko-KR" dirty="0"/>
-              <a:t>&gt; Deploy Keys &gt; </a:t>
+              <a:t>아래 명령어 실행 </a:t>
+            </a:r>
+            <a:r>
+              <a:rPr lang="en-US" altLang="ko-KR" dirty="0"/>
+              <a:t>&gt; vi id_rsa.pub &gt; </a:t>
             </a:r>
             <a:r>
               <a:rPr lang="ko-KR" altLang="en-US" dirty="0"/>
-              <a:t>내용 입력 후 ‘</a:t>
-            </a:r>
-            <a:r>
-              <a:rPr lang="en-US" altLang="ko-KR" dirty="0"/>
-              <a:t>Key’</a:t>
-            </a:r>
-            <a:r>
-              <a:rPr lang="ko-KR" altLang="en-US" dirty="0"/>
-              <a:t>에 복사한 </a:t>
-            </a:r>
-            <a:r>
-              <a:rPr lang="en-US" altLang="ko-KR" dirty="0" err="1"/>
-              <a:t>ssh</a:t>
-            </a:r>
-            <a:r>
-              <a:rPr lang="en-US" altLang="ko-KR" dirty="0"/>
-              <a:t> </a:t>
-            </a:r>
-            <a:r>
-              <a:rPr lang="ko-KR" altLang="en-US" dirty="0" err="1"/>
-              <a:t>키값</a:t>
-            </a:r>
-            <a:endParaRPr lang="en-US" altLang="ko-KR" dirty="0"/>
-          </a:p>
-          <a:p>
-            <a:r>
-              <a:rPr lang="ko-KR" altLang="en-US" dirty="0"/>
-              <a:t>입력 </a:t>
-            </a:r>
-            <a:r>
-              <a:rPr lang="en-US" altLang="ko-KR" dirty="0"/>
-              <a:t>&gt; add key </a:t>
-            </a:r>
-            <a:r>
-              <a:rPr lang="ko-KR" altLang="en-US" dirty="0"/>
-              <a:t>버튼 클릭</a:t>
-            </a:r>
+              <a:t>파일 내용 복사</a:t>
+            </a:r>
+            <a:r>
+              <a:rPr lang="en-US" altLang="ko-KR" dirty="0"/>
+              <a:t>  </a:t>
+            </a:r>
+            <a:endParaRPr lang="ko-KR" altLang="en-US" dirty="0"/>
           </a:p>
         </p:txBody>
       </p:sp>
       <p:pic>
         <p:nvPicPr>
-          <p:cNvPr id="6" name="Picture 2" descr="gitlab logoì ëí ì´ë¯¸ì§ ê²ìê²°ê³¼">
-            <a:extLst>
-              <a:ext uri="{FF2B5EF4-FFF2-40B4-BE49-F238E27FC236}">
-                <a16:creationId xmlns:a16="http://schemas.microsoft.com/office/drawing/2014/main" id="{83800BE5-1F00-4DE0-BF2A-ACE05BD24074}"/>
+          <p:cNvPr id="7" name="Picture 4" descr="jenkins logoì ëí ì´ë¯¸ì§ ê²ìê²°ê³¼">
+            <a:extLst>
+              <a:ext uri="{FF2B5EF4-FFF2-40B4-BE49-F238E27FC236}">
+                <a16:creationId xmlns:a16="http://schemas.microsoft.com/office/drawing/2014/main" id="{D67DB9B3-788B-456D-8738-6A721615DBF1}"/>
               </a:ext>
             </a:extLst>
           </p:cNvPr>
@@ -5140,7 +5438,7 @@
           <p:nvPr/>
         </p:nvPicPr>
         <p:blipFill>
-          <a:blip r:embed="rId3">
+          <a:blip r:embed="rId2">
             <a:extLst>
               <a:ext uri="{28A0092B-C50C-407E-A947-70E740481C1C}">
                 <a14:useLocalDpi xmlns:a14="http://schemas.microsoft.com/office/drawing/2010/main" val="0"/>
@@ -5154,8 +5452,8 @@
         </p:blipFill>
         <p:spPr bwMode="auto">
           <a:xfrm>
-            <a:off x="0" y="0"/>
-            <a:ext cx="1906438" cy="841762"/>
+            <a:off x="103517" y="94891"/>
+            <a:ext cx="2320169" cy="746185"/>
           </a:xfrm>
           <a:prstGeom prst="rect">
             <a:avLst/>
@@ -5172,10 +5470,141 @@
           </a:extLst>
         </p:spPr>
       </p:pic>
+      <p:pic>
+        <p:nvPicPr>
+          <p:cNvPr id="2050" name="Picture 2" descr="ubuntu logo pngì ëí ì´ë¯¸ì§ ê²ìê²°ê³¼">
+            <a:extLst>
+              <a:ext uri="{FF2B5EF4-FFF2-40B4-BE49-F238E27FC236}">
+                <a16:creationId xmlns:a16="http://schemas.microsoft.com/office/drawing/2014/main" id="{6B5B2495-A7FB-42D5-83CA-B632AC3084A9}"/>
+              </a:ext>
+            </a:extLst>
+          </p:cNvPr>
+          <p:cNvPicPr>
+            <a:picLocks noChangeAspect="1" noChangeArrowheads="1"/>
+          </p:cNvPicPr>
+          <p:nvPr/>
+        </p:nvPicPr>
+        <p:blipFill>
+          <a:blip r:embed="rId3">
+            <a:extLst>
+              <a:ext uri="{28A0092B-C50C-407E-A947-70E740481C1C}">
+                <a14:useLocalDpi xmlns:a14="http://schemas.microsoft.com/office/drawing/2010/main" val="0"/>
+              </a:ext>
+            </a:extLst>
+          </a:blip>
+          <a:srcRect/>
+          <a:stretch>
+            <a:fillRect/>
+          </a:stretch>
+        </p:blipFill>
+        <p:spPr bwMode="auto">
+          <a:xfrm>
+            <a:off x="2648309" y="245652"/>
+            <a:ext cx="1943819" cy="512784"/>
+          </a:xfrm>
+          <a:prstGeom prst="rect">
+            <a:avLst/>
+          </a:prstGeom>
+          <a:noFill/>
+          <a:extLst>
+            <a:ext uri="{909E8E84-426E-40DD-AFC4-6F175D3DCCD1}">
+              <a14:hiddenFill xmlns:a14="http://schemas.microsoft.com/office/drawing/2010/main">
+                <a:solidFill>
+                  <a:srgbClr val="FFFFFF"/>
+                </a:solidFill>
+              </a14:hiddenFill>
+            </a:ext>
+          </a:extLst>
+        </p:spPr>
+      </p:pic>
+      <p:sp>
+        <p:nvSpPr>
+          <p:cNvPr id="8" name="TextBox 7">
+            <a:extLst>
+              <a:ext uri="{FF2B5EF4-FFF2-40B4-BE49-F238E27FC236}">
+                <a16:creationId xmlns:a16="http://schemas.microsoft.com/office/drawing/2014/main" id="{7050339A-8BA2-49B2-B38C-6804C9F5D9AF}"/>
+              </a:ext>
+            </a:extLst>
+          </p:cNvPr>
+          <p:cNvSpPr txBox="1"/>
+          <p:nvPr/>
+        </p:nvSpPr>
+        <p:spPr>
+          <a:xfrm>
+            <a:off x="2648309" y="3614468"/>
+            <a:ext cx="2924583" cy="923330"/>
+          </a:xfrm>
+          <a:prstGeom prst="rect">
+            <a:avLst/>
+          </a:prstGeom>
+          <a:noFill/>
+        </p:spPr>
+        <p:txBody>
+          <a:bodyPr wrap="none" rtlCol="0">
+            <a:spAutoFit/>
+          </a:bodyPr>
+          <a:lstStyle/>
+          <a:p>
+            <a:r>
+              <a:rPr lang="en-US" altLang="ko-KR" dirty="0" err="1"/>
+              <a:t>mkdir</a:t>
+            </a:r>
+            <a:r>
+              <a:rPr lang="en-US" altLang="ko-KR" dirty="0"/>
+              <a:t> ~/.</a:t>
+            </a:r>
+            <a:r>
+              <a:rPr lang="en-US" altLang="ko-KR" dirty="0" err="1"/>
+              <a:t>ssh</a:t>
+            </a:r>
+            <a:r>
+              <a:rPr lang="en-US" altLang="ko-KR" dirty="0"/>
+              <a:t>-key</a:t>
+            </a:r>
+          </a:p>
+          <a:p>
+            <a:r>
+              <a:rPr lang="en-US" altLang="ko-KR" dirty="0"/>
+              <a:t>cd ~/.</a:t>
+            </a:r>
+            <a:r>
+              <a:rPr lang="en-US" altLang="ko-KR" dirty="0" err="1"/>
+              <a:t>ssh</a:t>
+            </a:r>
+            <a:r>
+              <a:rPr lang="en-US" altLang="ko-KR" dirty="0"/>
+              <a:t>-key</a:t>
+            </a:r>
+          </a:p>
+          <a:p>
+            <a:r>
+              <a:rPr lang="en-US" altLang="ko-KR" dirty="0" err="1"/>
+              <a:t>ssh</a:t>
+            </a:r>
+            <a:r>
+              <a:rPr lang="en-US" altLang="ko-KR" dirty="0"/>
+              <a:t>-keygen -t </a:t>
+            </a:r>
+            <a:r>
+              <a:rPr lang="en-US" altLang="ko-KR" dirty="0" err="1"/>
+              <a:t>rsa</a:t>
+            </a:r>
+            <a:r>
+              <a:rPr lang="en-US" altLang="ko-KR" dirty="0"/>
+              <a:t> -f </a:t>
+            </a:r>
+            <a:r>
+              <a:rPr lang="en-US" altLang="ko-KR" dirty="0" err="1"/>
+              <a:t>id_rsa</a:t>
+            </a:r>
+            <a:endParaRPr lang="en-US" altLang="ko-KR" dirty="0"/>
+          </a:p>
+        </p:txBody>
+      </p:sp>
     </p:spTree>
     <p:extLst>
       <p:ext uri="{BB962C8B-B14F-4D97-AF65-F5344CB8AC3E}">
-        <p14:creationId xmlns:p14="http://schemas.microsoft.com/office/powerpoint/2010/main" val="520842775"/>
+        <p14:creationId xmlns:p14="http://schemas.microsoft.com/office/powerpoint/2010/main" val="3770675531"/>
       </p:ext>
     </p:extLst>
   </p:cSld>
@@ -5202,12 +5631,42 @@
           <a:chExt cx="0" cy="0"/>
         </a:xfrm>
       </p:grpSpPr>
+      <p:pic>
+        <p:nvPicPr>
+          <p:cNvPr id="4" name="그림 3">
+            <a:extLst>
+              <a:ext uri="{FF2B5EF4-FFF2-40B4-BE49-F238E27FC236}">
+                <a16:creationId xmlns:a16="http://schemas.microsoft.com/office/drawing/2014/main" id="{607D6CEA-4F70-40CD-8FF6-30E8808E9631}"/>
+              </a:ext>
+            </a:extLst>
+          </p:cNvPr>
+          <p:cNvPicPr>
+            <a:picLocks noChangeAspect="1"/>
+          </p:cNvPicPr>
+          <p:nvPr/>
+        </p:nvPicPr>
+        <p:blipFill>
+          <a:blip r:embed="rId2"/>
+          <a:stretch>
+            <a:fillRect/>
+          </a:stretch>
+        </p:blipFill>
+        <p:spPr>
+          <a:xfrm>
+            <a:off x="1664898" y="1666410"/>
+            <a:ext cx="7283026" cy="4449718"/>
+          </a:xfrm>
+          <a:prstGeom prst="rect">
+            <a:avLst/>
+          </a:prstGeom>
+        </p:spPr>
+      </p:pic>
       <p:sp>
         <p:nvSpPr>
           <p:cNvPr id="5" name="TextBox 4">
             <a:extLst>
               <a:ext uri="{FF2B5EF4-FFF2-40B4-BE49-F238E27FC236}">
-                <a16:creationId xmlns:a16="http://schemas.microsoft.com/office/drawing/2014/main" id="{A5FFCBB5-7E26-4686-9E3E-7959A84903D7}"/>
+                <a16:creationId xmlns:a16="http://schemas.microsoft.com/office/drawing/2014/main" id="{232C5103-D231-47CC-87C2-3B1FEDACBDE9}"/>
               </a:ext>
             </a:extLst>
           </p:cNvPr>
@@ -5216,8 +5675,8 @@
         </p:nvSpPr>
         <p:spPr>
           <a:xfrm>
-            <a:off x="698739" y="1555331"/>
-            <a:ext cx="7146380" cy="646331"/>
+            <a:off x="586596" y="741870"/>
+            <a:ext cx="11393825" cy="646331"/>
           </a:xfrm>
           <a:prstGeom prst="rect">
             <a:avLst/>
@@ -5231,61 +5690,81 @@
           <a:lstStyle/>
           <a:p>
             <a:r>
+              <a:rPr lang="en-US" altLang="ko-KR" dirty="0"/>
+              <a:t>Jenkins</a:t>
+            </a:r>
+            <a:r>
               <a:rPr lang="ko-KR" altLang="en-US" dirty="0"/>
-              <a:t>새 작업 </a:t>
-            </a:r>
-            <a:r>
-              <a:rPr lang="en-US" altLang="ko-KR" dirty="0"/>
-              <a:t>&gt; </a:t>
+              <a:t> 연동 대상 프로젝트 </a:t>
+            </a:r>
+            <a:r>
+              <a:rPr lang="en-US" altLang="ko-KR" dirty="0"/>
+              <a:t>&gt;</a:t>
             </a:r>
             <a:r>
               <a:rPr lang="ko-KR" altLang="en-US" dirty="0"/>
-              <a:t>작업 이름 입력 </a:t>
-            </a:r>
-            <a:r>
-              <a:rPr lang="en-US" altLang="ko-KR" dirty="0"/>
-              <a:t>&gt; Freestyle project </a:t>
+              <a:t> </a:t>
+            </a:r>
+            <a:r>
+              <a:rPr lang="en-US" altLang="ko-KR" dirty="0"/>
+              <a:t>Settings &gt; Repository</a:t>
             </a:r>
             <a:r>
               <a:rPr lang="ko-KR" altLang="en-US" dirty="0"/>
-              <a:t>선택 </a:t>
-            </a:r>
-            <a:r>
-              <a:rPr lang="en-US" altLang="ko-KR" dirty="0"/>
-              <a:t>&gt; OK </a:t>
+              <a:t> </a:t>
+            </a:r>
+            <a:r>
+              <a:rPr lang="en-US" altLang="ko-KR" dirty="0"/>
+              <a:t>&gt; Deploy Keys &gt; </a:t>
+            </a:r>
+            <a:r>
+              <a:rPr lang="ko-KR" altLang="en-US" dirty="0"/>
+              <a:t>내용 입력 후 ‘</a:t>
+            </a:r>
+            <a:r>
+              <a:rPr lang="en-US" altLang="ko-KR" dirty="0"/>
+              <a:t>Key’</a:t>
+            </a:r>
+            <a:r>
+              <a:rPr lang="ko-KR" altLang="en-US" dirty="0"/>
+              <a:t>에 복사한 </a:t>
+            </a:r>
+            <a:r>
+              <a:rPr lang="en-US" altLang="ko-KR" dirty="0" err="1"/>
+              <a:t>ssh</a:t>
+            </a:r>
+            <a:r>
+              <a:rPr lang="en-US" altLang="ko-KR" dirty="0"/>
+              <a:t> </a:t>
+            </a:r>
+            <a:r>
+              <a:rPr lang="ko-KR" altLang="en-US" dirty="0" err="1"/>
+              <a:t>키값</a:t>
+            </a:r>
+            <a:endParaRPr lang="en-US" altLang="ko-KR" dirty="0"/>
+          </a:p>
+          <a:p>
+            <a:r>
+              <a:rPr lang="ko-KR" altLang="en-US" dirty="0"/>
+              <a:t>입력 </a:t>
+            </a:r>
+            <a:r>
+              <a:rPr lang="en-US" altLang="ko-KR" dirty="0"/>
+              <a:t>&gt; add key </a:t>
             </a:r>
             <a:r>
               <a:rPr lang="ko-KR" altLang="en-US" dirty="0"/>
               <a:t>버튼 클릭</a:t>
             </a:r>
-            <a:endParaRPr lang="en-US" altLang="ko-KR" dirty="0"/>
-          </a:p>
-          <a:p>
-            <a:r>
-              <a:rPr lang="en-US" altLang="ko-KR" dirty="0"/>
-              <a:t>※ </a:t>
-            </a:r>
-            <a:r>
-              <a:rPr lang="ko-KR" altLang="en-US" dirty="0"/>
-              <a:t>가급적 작업 이름을 </a:t>
-            </a:r>
-            <a:r>
-              <a:rPr lang="en-US" altLang="ko-KR" dirty="0" err="1"/>
-              <a:t>gitlab</a:t>
-            </a:r>
-            <a:r>
-              <a:rPr lang="ko-KR" altLang="en-US" dirty="0"/>
-              <a:t>과 동일하게 할 것</a:t>
-            </a:r>
           </a:p>
         </p:txBody>
       </p:sp>
       <p:pic>
         <p:nvPicPr>
-          <p:cNvPr id="6" name="Picture 4" descr="jenkins logoì ëí ì´ë¯¸ì§ ê²ìê²°ê³¼">
-            <a:extLst>
-              <a:ext uri="{FF2B5EF4-FFF2-40B4-BE49-F238E27FC236}">
-                <a16:creationId xmlns:a16="http://schemas.microsoft.com/office/drawing/2014/main" id="{89145A8E-A2E2-48EF-BA3C-54F58EF9751B}"/>
+          <p:cNvPr id="6" name="Picture 2" descr="gitlab logoì ëí ì´ë¯¸ì§ ê²ìê²°ê³¼">
+            <a:extLst>
+              <a:ext uri="{FF2B5EF4-FFF2-40B4-BE49-F238E27FC236}">
+                <a16:creationId xmlns:a16="http://schemas.microsoft.com/office/drawing/2014/main" id="{83800BE5-1F00-4DE0-BF2A-ACE05BD24074}"/>
               </a:ext>
             </a:extLst>
           </p:cNvPr>
@@ -5295,7 +5774,7 @@
           <p:nvPr/>
         </p:nvPicPr>
         <p:blipFill>
-          <a:blip r:embed="rId2">
+          <a:blip r:embed="rId3">
             <a:extLst>
               <a:ext uri="{28A0092B-C50C-407E-A947-70E740481C1C}">
                 <a14:useLocalDpi xmlns:a14="http://schemas.microsoft.com/office/drawing/2010/main" val="0"/>
@@ -5309,8 +5788,8 @@
         </p:blipFill>
         <p:spPr bwMode="auto">
           <a:xfrm>
-            <a:off x="103517" y="94891"/>
-            <a:ext cx="2320169" cy="746185"/>
+            <a:off x="0" y="0"/>
+            <a:ext cx="1906438" cy="841762"/>
           </a:xfrm>
           <a:prstGeom prst="rect">
             <a:avLst/>
@@ -5327,40 +5806,10 @@
           </a:extLst>
         </p:spPr>
       </p:pic>
-      <p:pic>
-        <p:nvPicPr>
-          <p:cNvPr id="4" name="그림 3">
-            <a:extLst>
-              <a:ext uri="{FF2B5EF4-FFF2-40B4-BE49-F238E27FC236}">
-                <a16:creationId xmlns:a16="http://schemas.microsoft.com/office/drawing/2014/main" id="{2082F679-A819-4DA7-AFBD-CD2F28283244}"/>
-              </a:ext>
-            </a:extLst>
-          </p:cNvPr>
-          <p:cNvPicPr>
-            <a:picLocks noChangeAspect="1"/>
-          </p:cNvPicPr>
-          <p:nvPr/>
-        </p:nvPicPr>
-        <p:blipFill>
-          <a:blip r:embed="rId3"/>
-          <a:stretch>
-            <a:fillRect/>
-          </a:stretch>
-        </p:blipFill>
-        <p:spPr>
-          <a:xfrm>
-            <a:off x="1889185" y="2210080"/>
-            <a:ext cx="8413630" cy="4143163"/>
-          </a:xfrm>
-          <a:prstGeom prst="rect">
-            <a:avLst/>
-          </a:prstGeom>
-        </p:spPr>
-      </p:pic>
     </p:spTree>
     <p:extLst>
       <p:ext uri="{BB962C8B-B14F-4D97-AF65-F5344CB8AC3E}">
-        <p14:creationId xmlns:p14="http://schemas.microsoft.com/office/powerpoint/2010/main" val="3194742836"/>
+        <p14:creationId xmlns:p14="http://schemas.microsoft.com/office/powerpoint/2010/main" val="520842775"/>
       </p:ext>
     </p:extLst>
   </p:cSld>
@@ -5402,7 +5851,7 @@
         <p:spPr>
           <a:xfrm>
             <a:off x="698739" y="1555331"/>
-            <a:ext cx="7858241" cy="369332"/>
+            <a:ext cx="7146380" cy="646331"/>
           </a:xfrm>
           <a:prstGeom prst="rect">
             <a:avLst/>
@@ -5417,7 +5866,7 @@
           <a:p>
             <a:r>
               <a:rPr lang="ko-KR" altLang="en-US" dirty="0"/>
-              <a:t>아래와 같이 설명을 자세하게 입력하는 것이 나중에 편하다 </a:t>
+              <a:t>새 작업 </a:t>
             </a:r>
             <a:r>
               <a:rPr lang="en-US" altLang="ko-KR" dirty="0"/>
@@ -5425,7 +5874,42 @@
             </a:r>
             <a:r>
               <a:rPr lang="ko-KR" altLang="en-US" dirty="0"/>
-              <a:t>아래로 이동</a:t>
+              <a:t>작업 이름 입력 </a:t>
+            </a:r>
+            <a:r>
+              <a:rPr lang="en-US" altLang="ko-KR" dirty="0"/>
+              <a:t>&gt; Freestyle project </a:t>
+            </a:r>
+            <a:r>
+              <a:rPr lang="ko-KR" altLang="en-US" dirty="0"/>
+              <a:t>선택 </a:t>
+            </a:r>
+            <a:r>
+              <a:rPr lang="en-US" altLang="ko-KR" dirty="0"/>
+              <a:t>&gt; OK </a:t>
+            </a:r>
+            <a:r>
+              <a:rPr lang="ko-KR" altLang="en-US" dirty="0"/>
+              <a:t>버튼 클릭</a:t>
+            </a:r>
+            <a:endParaRPr lang="en-US" altLang="ko-KR" dirty="0"/>
+          </a:p>
+          <a:p>
+            <a:r>
+              <a:rPr lang="en-US" altLang="ko-KR" dirty="0"/>
+              <a:t>※ </a:t>
+            </a:r>
+            <a:r>
+              <a:rPr lang="ko-KR" altLang="en-US" dirty="0"/>
+              <a:t>가급적 작업 이름을 </a:t>
+            </a:r>
+            <a:r>
+              <a:rPr lang="en-US" altLang="ko-KR" dirty="0" err="1"/>
+              <a:t>gitlab</a:t>
+            </a:r>
+            <a:r>
+              <a:rPr lang="ko-KR" altLang="en-US" dirty="0"/>
+              <a:t>과 동일하게 할 것</a:t>
             </a:r>
           </a:p>
         </p:txBody>
@@ -5479,10 +5963,10 @@
       </p:pic>
       <p:pic>
         <p:nvPicPr>
-          <p:cNvPr id="2" name="그림 1">
-            <a:extLst>
-              <a:ext uri="{FF2B5EF4-FFF2-40B4-BE49-F238E27FC236}">
-                <a16:creationId xmlns:a16="http://schemas.microsoft.com/office/drawing/2014/main" id="{4CFA6CBD-ED28-44ED-8DEA-CC590E25259A}"/>
+          <p:cNvPr id="4" name="그림 3">
+            <a:extLst>
+              <a:ext uri="{FF2B5EF4-FFF2-40B4-BE49-F238E27FC236}">
+                <a16:creationId xmlns:a16="http://schemas.microsoft.com/office/drawing/2014/main" id="{2082F679-A819-4DA7-AFBD-CD2F28283244}"/>
               </a:ext>
             </a:extLst>
           </p:cNvPr>
@@ -5499,8 +5983,8 @@
         </p:blipFill>
         <p:spPr>
           <a:xfrm>
-            <a:off x="1591573" y="2312068"/>
-            <a:ext cx="9008853" cy="1963868"/>
+            <a:off x="1889185" y="2210080"/>
+            <a:ext cx="8413630" cy="4143163"/>
           </a:xfrm>
           <a:prstGeom prst="rect">
             <a:avLst/>
@@ -5510,7 +5994,7 @@
     </p:spTree>
     <p:extLst>
       <p:ext uri="{BB962C8B-B14F-4D97-AF65-F5344CB8AC3E}">
-        <p14:creationId xmlns:p14="http://schemas.microsoft.com/office/powerpoint/2010/main" val="2052390048"/>
+        <p14:creationId xmlns:p14="http://schemas.microsoft.com/office/powerpoint/2010/main" val="3194742836"/>
       </p:ext>
     </p:extLst>
   </p:cSld>
@@ -5537,42 +6021,55 @@
           <a:chExt cx="0" cy="0"/>
         </a:xfrm>
       </p:grpSpPr>
-      <p:pic>
-        <p:nvPicPr>
-          <p:cNvPr id="4" name="그림 3">
-            <a:extLst>
-              <a:ext uri="{FF2B5EF4-FFF2-40B4-BE49-F238E27FC236}">
-                <a16:creationId xmlns:a16="http://schemas.microsoft.com/office/drawing/2014/main" id="{5C8069DE-FE2A-4C8D-B774-7C3113AE3DF6}"/>
-              </a:ext>
-            </a:extLst>
-          </p:cNvPr>
-          <p:cNvPicPr>
-            <a:picLocks noChangeAspect="1"/>
-          </p:cNvPicPr>
+      <p:sp>
+        <p:nvSpPr>
+          <p:cNvPr id="5" name="TextBox 4">
+            <a:extLst>
+              <a:ext uri="{FF2B5EF4-FFF2-40B4-BE49-F238E27FC236}">
+                <a16:creationId xmlns:a16="http://schemas.microsoft.com/office/drawing/2014/main" id="{A5FFCBB5-7E26-4686-9E3E-7959A84903D7}"/>
+              </a:ext>
+            </a:extLst>
+          </p:cNvPr>
+          <p:cNvSpPr txBox="1"/>
           <p:nvPr/>
-        </p:nvPicPr>
-        <p:blipFill>
-          <a:blip r:embed="rId2"/>
-          <a:stretch>
-            <a:fillRect/>
-          </a:stretch>
-        </p:blipFill>
+        </p:nvSpPr>
         <p:spPr>
           <a:xfrm>
-            <a:off x="1048109" y="1611894"/>
-            <a:ext cx="10095781" cy="4499434"/>
+            <a:off x="698739" y="1555331"/>
+            <a:ext cx="7858241" cy="369332"/>
           </a:xfrm>
           <a:prstGeom prst="rect">
             <a:avLst/>
           </a:prstGeom>
-        </p:spPr>
-      </p:pic>
+          <a:noFill/>
+        </p:spPr>
+        <p:txBody>
+          <a:bodyPr wrap="none" rtlCol="0">
+            <a:spAutoFit/>
+          </a:bodyPr>
+          <a:lstStyle/>
+          <a:p>
+            <a:r>
+              <a:rPr lang="ko-KR" altLang="en-US" dirty="0"/>
+              <a:t>아래와 같이 설명을 자세하게 입력하는 것이 나중에 편하다 </a:t>
+            </a:r>
+            <a:r>
+              <a:rPr lang="en-US" altLang="ko-KR" dirty="0"/>
+              <a:t>&gt; </a:t>
+            </a:r>
+            <a:r>
+              <a:rPr lang="ko-KR" altLang="en-US" dirty="0"/>
+              <a:t>아래로 이동</a:t>
+            </a:r>
+          </a:p>
+        </p:txBody>
+      </p:sp>
       <p:pic>
         <p:nvPicPr>
-          <p:cNvPr id="5" name="Picture 4" descr="jenkins logoì ëí ì´ë¯¸ì§ ê²ìê²°ê³¼">
-            <a:extLst>
-              <a:ext uri="{FF2B5EF4-FFF2-40B4-BE49-F238E27FC236}">
-                <a16:creationId xmlns:a16="http://schemas.microsoft.com/office/drawing/2014/main" id="{956E402A-667A-42B0-A076-790946A96F5D}"/>
+          <p:cNvPr id="6" name="Picture 4" descr="jenkins logoì ëí ì´ë¯¸ì§ ê²ìê²°ê³¼">
+            <a:extLst>
+              <a:ext uri="{FF2B5EF4-FFF2-40B4-BE49-F238E27FC236}">
+                <a16:creationId xmlns:a16="http://schemas.microsoft.com/office/drawing/2014/main" id="{89145A8E-A2E2-48EF-BA3C-54F58EF9751B}"/>
               </a:ext>
             </a:extLst>
           </p:cNvPr>
@@ -5582,7 +6079,7 @@
           <p:nvPr/>
         </p:nvPicPr>
         <p:blipFill>
-          <a:blip r:embed="rId3">
+          <a:blip r:embed="rId2">
             <a:extLst>
               <a:ext uri="{28A0092B-C50C-407E-A947-70E740481C1C}">
                 <a14:useLocalDpi xmlns:a14="http://schemas.microsoft.com/office/drawing/2010/main" val="0"/>
@@ -5616,10 +6113,10 @@
       </p:pic>
       <p:pic>
         <p:nvPicPr>
-          <p:cNvPr id="7" name="그림 6">
-            <a:extLst>
-              <a:ext uri="{FF2B5EF4-FFF2-40B4-BE49-F238E27FC236}">
-                <a16:creationId xmlns:a16="http://schemas.microsoft.com/office/drawing/2014/main" id="{14BDE8D0-E9B2-4C8E-8A28-3D8D4BA5795B}"/>
+          <p:cNvPr id="2" name="그림 1">
+            <a:extLst>
+              <a:ext uri="{FF2B5EF4-FFF2-40B4-BE49-F238E27FC236}">
+                <a16:creationId xmlns:a16="http://schemas.microsoft.com/office/drawing/2014/main" id="{4CFA6CBD-ED28-44ED-8DEA-CC590E25259A}"/>
               </a:ext>
             </a:extLst>
           </p:cNvPr>
@@ -5629,163 +6126,25 @@
           <p:nvPr/>
         </p:nvPicPr>
         <p:blipFill>
-          <a:blip r:embed="rId4"/>
+          <a:blip r:embed="rId3"/>
           <a:stretch>
             <a:fillRect/>
           </a:stretch>
         </p:blipFill>
         <p:spPr>
           <a:xfrm>
-            <a:off x="5027638" y="1153401"/>
-            <a:ext cx="5575558" cy="1109393"/>
+            <a:off x="1591573" y="2312068"/>
+            <a:ext cx="9008853" cy="1963868"/>
           </a:xfrm>
           <a:prstGeom prst="rect">
             <a:avLst/>
           </a:prstGeom>
         </p:spPr>
       </p:pic>
-      <p:pic>
-        <p:nvPicPr>
-          <p:cNvPr id="8" name="Picture 2" descr="gitlab logoì ëí ì´ë¯¸ì§ ê²ìê²°ê³¼">
-            <a:extLst>
-              <a:ext uri="{FF2B5EF4-FFF2-40B4-BE49-F238E27FC236}">
-                <a16:creationId xmlns:a16="http://schemas.microsoft.com/office/drawing/2014/main" id="{EDC537C8-1609-4E22-A39C-EF601F117549}"/>
-              </a:ext>
-            </a:extLst>
-          </p:cNvPr>
-          <p:cNvPicPr>
-            <a:picLocks noChangeAspect="1" noChangeArrowheads="1"/>
-          </p:cNvPicPr>
-          <p:nvPr/>
-        </p:nvPicPr>
-        <p:blipFill>
-          <a:blip r:embed="rId5">
-            <a:extLst>
-              <a:ext uri="{28A0092B-C50C-407E-A947-70E740481C1C}">
-                <a14:useLocalDpi xmlns:a14="http://schemas.microsoft.com/office/drawing/2010/main" val="0"/>
-              </a:ext>
-            </a:extLst>
-          </a:blip>
-          <a:srcRect/>
-          <a:stretch>
-            <a:fillRect/>
-          </a:stretch>
-        </p:blipFill>
-        <p:spPr bwMode="auto">
-          <a:xfrm>
-            <a:off x="9506309" y="1070310"/>
-            <a:ext cx="1226589" cy="541584"/>
-          </a:xfrm>
-          <a:prstGeom prst="rect">
-            <a:avLst/>
-          </a:prstGeom>
-          <a:noFill/>
-          <a:extLst>
-            <a:ext uri="{909E8E84-426E-40DD-AFC4-6F175D3DCCD1}">
-              <a14:hiddenFill xmlns:a14="http://schemas.microsoft.com/office/drawing/2010/main">
-                <a:solidFill>
-                  <a:srgbClr val="FFFFFF"/>
-                </a:solidFill>
-              </a14:hiddenFill>
-            </a:ext>
-          </a:extLst>
-        </p:spPr>
-      </p:pic>
-      <p:cxnSp>
-        <p:nvCxnSpPr>
-          <p:cNvPr id="10" name="직선 화살표 연결선 9">
-            <a:extLst>
-              <a:ext uri="{FF2B5EF4-FFF2-40B4-BE49-F238E27FC236}">
-                <a16:creationId xmlns:a16="http://schemas.microsoft.com/office/drawing/2014/main" id="{B23B085C-AF0E-4252-8614-8A6D5AD54329}"/>
-              </a:ext>
-            </a:extLst>
-          </p:cNvPr>
-          <p:cNvCxnSpPr/>
-          <p:nvPr/>
-        </p:nvCxnSpPr>
-        <p:spPr>
-          <a:xfrm flipH="1">
-            <a:off x="5244860" y="2130725"/>
-            <a:ext cx="3795623" cy="1207698"/>
-          </a:xfrm>
-          <a:prstGeom prst="straightConnector1">
-            <a:avLst/>
-          </a:prstGeom>
-          <a:ln>
-            <a:tailEnd type="triangle"/>
-          </a:ln>
-        </p:spPr>
-        <p:style>
-          <a:lnRef idx="1">
-            <a:schemeClr val="accent1"/>
-          </a:lnRef>
-          <a:fillRef idx="0">
-            <a:schemeClr val="accent1"/>
-          </a:fillRef>
-          <a:effectRef idx="0">
-            <a:schemeClr val="accent1"/>
-          </a:effectRef>
-          <a:fontRef idx="minor">
-            <a:schemeClr val="tx1"/>
-          </a:fontRef>
-        </p:style>
-      </p:cxnSp>
-      <p:sp>
-        <p:nvSpPr>
-          <p:cNvPr id="6" name="TextBox 5">
-            <a:extLst>
-              <a:ext uri="{FF2B5EF4-FFF2-40B4-BE49-F238E27FC236}">
-                <a16:creationId xmlns:a16="http://schemas.microsoft.com/office/drawing/2014/main" id="{A51F762A-AF4F-4E01-8239-142980E5E863}"/>
-              </a:ext>
-            </a:extLst>
-          </p:cNvPr>
-          <p:cNvSpPr txBox="1"/>
-          <p:nvPr/>
-        </p:nvSpPr>
-        <p:spPr>
-          <a:xfrm>
-            <a:off x="655606" y="968735"/>
-            <a:ext cx="5658344" cy="369332"/>
-          </a:xfrm>
-          <a:prstGeom prst="rect">
-            <a:avLst/>
-          </a:prstGeom>
-          <a:noFill/>
-        </p:spPr>
-        <p:txBody>
-          <a:bodyPr wrap="none" rtlCol="0">
-            <a:spAutoFit/>
-          </a:bodyPr>
-          <a:lstStyle/>
-          <a:p>
-            <a:r>
-              <a:rPr lang="en-US" altLang="ko-KR" dirty="0"/>
-              <a:t>Repository URL</a:t>
-            </a:r>
-            <a:r>
-              <a:rPr lang="ko-KR" altLang="en-US" dirty="0"/>
-              <a:t>입력 </a:t>
-            </a:r>
-            <a:r>
-              <a:rPr lang="en-US" altLang="ko-KR" dirty="0"/>
-              <a:t>&gt; Credentials &gt; Add </a:t>
-            </a:r>
-            <a:r>
-              <a:rPr lang="ko-KR" altLang="en-US" dirty="0"/>
-              <a:t>버튼 클릭</a:t>
-            </a:r>
-            <a:r>
-              <a:rPr lang="en-US" altLang="ko-KR" dirty="0"/>
-              <a:t> </a:t>
-            </a:r>
-            <a:endParaRPr lang="ko-KR" altLang="en-US" dirty="0"/>
-          </a:p>
-        </p:txBody>
-      </p:sp>
     </p:spTree>
     <p:extLst>
       <p:ext uri="{BB962C8B-B14F-4D97-AF65-F5344CB8AC3E}">
-        <p14:creationId xmlns:p14="http://schemas.microsoft.com/office/powerpoint/2010/main" val="2625194654"/>
+        <p14:creationId xmlns:p14="http://schemas.microsoft.com/office/powerpoint/2010/main" val="2052390048"/>
       </p:ext>
     </p:extLst>
   </p:cSld>
